--- a/docpac_mar18/Oley Birkeland/JavaScript Loops.pptx
+++ b/docpac_mar18/Oley Birkeland/JavaScript Loops.pptx
@@ -129,6 +129,30 @@
 
 <file path=ppt/changesInfos/changesInfo1.xml><?xml version="1.0" encoding="utf-8"?>
 <pc:chgInfo xmlns:a="http://schemas.openxmlformats.org/drawingml/2006/main" xmlns:r="http://schemas.openxmlformats.org/officeDocument/2006/relationships" xmlns:ac="http://schemas.microsoft.com/office/drawing/2013/main/command" xmlns:pc="http://schemas.microsoft.com/office/powerpoint/2013/main/command">
+  <pc:docChgLst>
+    <pc:chgData name="Birkeland, John" userId="074c16a1-eede-4221-8d47-ffda6aeed3e7" providerId="ADAL" clId="{23B58559-09C8-4D4C-B51F-239A4991B460}"/>
+    <pc:docChg chg="undo redo custSel modSld">
+      <pc:chgData name="Birkeland, John" userId="074c16a1-eede-4221-8d47-ffda6aeed3e7" providerId="ADAL" clId="{23B58559-09C8-4D4C-B51F-239A4991B460}" dt="2022-03-18T04:58:57.561" v="166" actId="20577"/>
+      <pc:docMkLst>
+        <pc:docMk/>
+      </pc:docMkLst>
+      <pc:sldChg chg="modSp">
+        <pc:chgData name="Birkeland, John" userId="074c16a1-eede-4221-8d47-ffda6aeed3e7" providerId="ADAL" clId="{23B58559-09C8-4D4C-B51F-239A4991B460}" dt="2022-03-18T04:58:57.561" v="166" actId="20577"/>
+        <pc:sldMkLst>
+          <pc:docMk/>
+          <pc:sldMk cId="1009864507" sldId="260"/>
+        </pc:sldMkLst>
+        <pc:spChg chg="mod">
+          <ac:chgData name="Birkeland, John" userId="074c16a1-eede-4221-8d47-ffda6aeed3e7" providerId="ADAL" clId="{23B58559-09C8-4D4C-B51F-239A4991B460}" dt="2022-03-18T04:58:57.561" v="166" actId="20577"/>
+          <ac:spMkLst>
+            <pc:docMk/>
+            <pc:sldMk cId="1009864507" sldId="260"/>
+            <ac:spMk id="3" creationId="{724D136F-0D0B-4E44-9D33-C7C1E1433A2C}"/>
+          </ac:spMkLst>
+        </pc:spChg>
+      </pc:sldChg>
+    </pc:docChg>
+  </pc:docChgLst>
   <pc:docChgLst>
     <pc:chgData name="John Birkeland" userId="074c16a1-eede-4221-8d47-ffda6aeed3e7" providerId="ADAL" clId="{A5FAD49A-E5D7-4E29-8054-479F034186A5}"/>
     <pc:docChg chg="undo redo custSel addSld delSld modSld sldOrd">
@@ -632,7 +656,7 @@
           <a:p>
             <a:fld id="{8C61C07D-5184-4A98-9C6F-9C6D011A6680}" type="datetimeFigureOut">
               <a:rPr lang="en-US" smtClean="0"/>
-              <a:t>3/15/2022</a:t>
+              <a:t>3/18/2022</a:t>
             </a:fld>
             <a:endParaRPr lang="en-US"/>
           </a:p>
@@ -830,7 +854,7 @@
           <a:p>
             <a:fld id="{8C61C07D-5184-4A98-9C6F-9C6D011A6680}" type="datetimeFigureOut">
               <a:rPr lang="en-US" smtClean="0"/>
-              <a:t>3/15/2022</a:t>
+              <a:t>3/18/2022</a:t>
             </a:fld>
             <a:endParaRPr lang="en-US"/>
           </a:p>
@@ -1038,7 +1062,7 @@
           <a:p>
             <a:fld id="{8C61C07D-5184-4A98-9C6F-9C6D011A6680}" type="datetimeFigureOut">
               <a:rPr lang="en-US" smtClean="0"/>
-              <a:t>3/15/2022</a:t>
+              <a:t>3/18/2022</a:t>
             </a:fld>
             <a:endParaRPr lang="en-US"/>
           </a:p>
@@ -1236,7 +1260,7 @@
           <a:p>
             <a:fld id="{8C61C07D-5184-4A98-9C6F-9C6D011A6680}" type="datetimeFigureOut">
               <a:rPr lang="en-US" smtClean="0"/>
-              <a:t>3/15/2022</a:t>
+              <a:t>3/18/2022</a:t>
             </a:fld>
             <a:endParaRPr lang="en-US"/>
           </a:p>
@@ -1511,7 +1535,7 @@
           <a:p>
             <a:fld id="{8C61C07D-5184-4A98-9C6F-9C6D011A6680}" type="datetimeFigureOut">
               <a:rPr lang="en-US" smtClean="0"/>
-              <a:t>3/15/2022</a:t>
+              <a:t>3/18/2022</a:t>
             </a:fld>
             <a:endParaRPr lang="en-US"/>
           </a:p>
@@ -1776,7 +1800,7 @@
           <a:p>
             <a:fld id="{8C61C07D-5184-4A98-9C6F-9C6D011A6680}" type="datetimeFigureOut">
               <a:rPr lang="en-US" smtClean="0"/>
-              <a:t>3/15/2022</a:t>
+              <a:t>3/18/2022</a:t>
             </a:fld>
             <a:endParaRPr lang="en-US"/>
           </a:p>
@@ -2188,7 +2212,7 @@
           <a:p>
             <a:fld id="{8C61C07D-5184-4A98-9C6F-9C6D011A6680}" type="datetimeFigureOut">
               <a:rPr lang="en-US" smtClean="0"/>
-              <a:t>3/15/2022</a:t>
+              <a:t>3/18/2022</a:t>
             </a:fld>
             <a:endParaRPr lang="en-US"/>
           </a:p>
@@ -2329,7 +2353,7 @@
           <a:p>
             <a:fld id="{8C61C07D-5184-4A98-9C6F-9C6D011A6680}" type="datetimeFigureOut">
               <a:rPr lang="en-US" smtClean="0"/>
-              <a:t>3/15/2022</a:t>
+              <a:t>3/18/2022</a:t>
             </a:fld>
             <a:endParaRPr lang="en-US"/>
           </a:p>
@@ -2442,7 +2466,7 @@
           <a:p>
             <a:fld id="{8C61C07D-5184-4A98-9C6F-9C6D011A6680}" type="datetimeFigureOut">
               <a:rPr lang="en-US" smtClean="0"/>
-              <a:t>3/15/2022</a:t>
+              <a:t>3/18/2022</a:t>
             </a:fld>
             <a:endParaRPr lang="en-US"/>
           </a:p>
@@ -2753,7 +2777,7 @@
           <a:p>
             <a:fld id="{8C61C07D-5184-4A98-9C6F-9C6D011A6680}" type="datetimeFigureOut">
               <a:rPr lang="en-US" smtClean="0"/>
-              <a:t>3/15/2022</a:t>
+              <a:t>3/18/2022</a:t>
             </a:fld>
             <a:endParaRPr lang="en-US"/>
           </a:p>
@@ -3041,7 +3065,7 @@
           <a:p>
             <a:fld id="{8C61C07D-5184-4A98-9C6F-9C6D011A6680}" type="datetimeFigureOut">
               <a:rPr lang="en-US" smtClean="0"/>
-              <a:t>3/15/2022</a:t>
+              <a:t>3/18/2022</a:t>
             </a:fld>
             <a:endParaRPr lang="en-US"/>
           </a:p>
@@ -3282,7 +3306,7 @@
           <a:p>
             <a:fld id="{8C61C07D-5184-4A98-9C6F-9C6D011A6680}" type="datetimeFigureOut">
               <a:rPr lang="en-US" smtClean="0"/>
-              <a:t>3/15/2022</a:t>
+              <a:t>3/18/2022</a:t>
             </a:fld>
             <a:endParaRPr lang="en-US"/>
           </a:p>
@@ -5018,9 +5042,60 @@
         <p:spPr/>
         <p:txBody>
           <a:bodyPr>
-            <a:normAutofit lnSpcReduction="10000"/>
+            <a:normAutofit fontScale="77500" lnSpcReduction="20000"/>
           </a:bodyPr>
           <a:lstStyle/>
+          <a:p>
+            <a:pPr marL="0" indent="0">
+              <a:buNone/>
+            </a:pPr>
+            <a:r>
+              <a:rPr lang="en-US" dirty="0"/>
+              <a:t>//Declare a new variable “</a:t>
+            </a:r>
+            <a:r>
+              <a:rPr lang="en-US" dirty="0" err="1"/>
+              <a:t>i</a:t>
+            </a:r>
+            <a:r>
+              <a:rPr lang="en-US" dirty="0"/>
+              <a:t>” and set it to 0</a:t>
+            </a:r>
+          </a:p>
+          <a:p>
+            <a:pPr marL="0" indent="0">
+              <a:buNone/>
+            </a:pPr>
+            <a:r>
+              <a:rPr lang="en-US" dirty="0"/>
+              <a:t>//Repeat while </a:t>
+            </a:r>
+            <a:r>
+              <a:rPr lang="en-US" dirty="0" err="1"/>
+              <a:t>i</a:t>
+            </a:r>
+            <a:r>
+              <a:rPr lang="en-US" dirty="0"/>
+              <a:t> is less than 5</a:t>
+            </a:r>
+          </a:p>
+          <a:p>
+            <a:pPr marL="0" indent="0">
+              <a:buNone/>
+            </a:pPr>
+            <a:r>
+              <a:rPr lang="en-US" dirty="0"/>
+              <a:t>//Increase </a:t>
+            </a:r>
+            <a:r>
+              <a:rPr lang="en-US" dirty="0" err="1"/>
+              <a:t>i</a:t>
+            </a:r>
+            <a:r>
+              <a:rPr lang="en-US" dirty="0"/>
+              <a:t> by 1 each time the code is executed</a:t>
+            </a:r>
+          </a:p>
           <a:p>
             <a:pPr marL="0" indent="0">
               <a:buNone/>
@@ -6121,6 +6196,15 @@
 </file>
 
 <file path=customXml/item1.xml><?xml version="1.0" encoding="utf-8"?>
+<?mso-contentType ?>
+<FormTemplates xmlns="http://schemas.microsoft.com/sharepoint/v3/contenttype/forms">
+  <Display>DocumentLibraryForm</Display>
+  <Edit>DocumentLibraryForm</Edit>
+  <New>DocumentLibraryForm</New>
+</FormTemplates>
+</file>
+
+<file path=customXml/item2.xml><?xml version="1.0" encoding="utf-8"?>
 <ct:contentTypeSchema xmlns:ct="http://schemas.microsoft.com/office/2006/metadata/contentType" xmlns:ma="http://schemas.microsoft.com/office/2006/metadata/properties/metaAttributes" ct:_="" ma:_="" ma:contentTypeName="Document" ma:contentTypeID="0x010100651E00D2AC2DD14EB60A774F4411C2DE" ma:contentTypeVersion="14" ma:contentTypeDescription="Create a new document." ma:contentTypeScope="" ma:versionID="76667c60ce0b2cf0b2d51dfe12963ac9">
   <xsd:schema xmlns:xsd="http://www.w3.org/2001/XMLSchema" xmlns:xs="http://www.w3.org/2001/XMLSchema" xmlns:p="http://schemas.microsoft.com/office/2006/metadata/properties" xmlns:ns3="a226a929-813b-4430-a398-5fab01598312" xmlns:ns4="ec5225a2-c630-40f5-9e8d-7fb3531c4cbf" targetNamespace="http://schemas.microsoft.com/office/2006/metadata/properties" ma:root="true" ma:fieldsID="04596c6fdc0b8324c1ff7886bcf2917b" ns3:_="" ns4:_="">
     <xsd:import namespace="a226a929-813b-4430-a398-5fab01598312"/>
@@ -6349,15 +6433,6 @@
 </ct:contentTypeSchema>
 </file>
 
-<file path=customXml/item2.xml><?xml version="1.0" encoding="utf-8"?>
-<?mso-contentType ?>
-<FormTemplates xmlns="http://schemas.microsoft.com/sharepoint/v3/contenttype/forms">
-  <Display>DocumentLibraryForm</Display>
-  <Edit>DocumentLibraryForm</Edit>
-  <New>DocumentLibraryForm</New>
-</FormTemplates>
-</file>
-
 <file path=customXml/item3.xml><?xml version="1.0" encoding="utf-8"?>
 <p:properties xmlns:p="http://schemas.microsoft.com/office/2006/metadata/properties" xmlns:xsi="http://www.w3.org/2001/XMLSchema-instance" xmlns:pc="http://schemas.microsoft.com/office/infopath/2007/PartnerControls">
   <documentManagement/>
@@ -6365,6 +6440,14 @@
 </file>
 
 <file path=customXml/itemProps1.xml><?xml version="1.0" encoding="utf-8"?>
+<ds:datastoreItem xmlns:ds="http://schemas.openxmlformats.org/officeDocument/2006/customXml" ds:itemID="{8F2F742C-521B-48E4-B065-8F206EB99458}">
+  <ds:schemaRefs>
+    <ds:schemaRef ds:uri="http://schemas.microsoft.com/sharepoint/v3/contenttype/forms"/>
+  </ds:schemaRefs>
+</ds:datastoreItem>
+</file>
+
+<file path=customXml/itemProps2.xml><?xml version="1.0" encoding="utf-8"?>
 <ds:datastoreItem xmlns:ds="http://schemas.openxmlformats.org/officeDocument/2006/customXml" ds:itemID="{FFAE8041-C8D6-4943-AACB-8BD19A2802B6}">
   <ds:schemaRefs>
     <ds:schemaRef ds:uri="http://schemas.microsoft.com/office/2006/metadata/contentType"/>
@@ -6383,27 +6466,19 @@
 </ds:datastoreItem>
 </file>
 
-<file path=customXml/itemProps2.xml><?xml version="1.0" encoding="utf-8"?>
-<ds:datastoreItem xmlns:ds="http://schemas.openxmlformats.org/officeDocument/2006/customXml" ds:itemID="{8F2F742C-521B-48E4-B065-8F206EB99458}">
-  <ds:schemaRefs>
-    <ds:schemaRef ds:uri="http://schemas.microsoft.com/sharepoint/v3/contenttype/forms"/>
-  </ds:schemaRefs>
-</ds:datastoreItem>
-</file>
-
 <file path=customXml/itemProps3.xml><?xml version="1.0" encoding="utf-8"?>
 <ds:datastoreItem xmlns:ds="http://schemas.openxmlformats.org/officeDocument/2006/customXml" ds:itemID="{A54922C4-9CB8-46BD-BD0A-10AC6B6C08ED}">
   <ds:schemaRefs>
+    <ds:schemaRef ds:uri="http://purl.org/dc/terms/"/>
+    <ds:schemaRef ds:uri="http://www.w3.org/XML/1998/namespace"/>
+    <ds:schemaRef ds:uri="http://purl.org/dc/dcmitype/"/>
+    <ds:schemaRef ds:uri="http://schemas.microsoft.com/office/2006/documentManagement/types"/>
+    <ds:schemaRef ds:uri="a226a929-813b-4430-a398-5fab01598312"/>
+    <ds:schemaRef ds:uri="http://schemas.openxmlformats.org/package/2006/metadata/core-properties"/>
+    <ds:schemaRef ds:uri="http://schemas.microsoft.com/office/infopath/2007/PartnerControls"/>
+    <ds:schemaRef ds:uri="ec5225a2-c630-40f5-9e8d-7fb3531c4cbf"/>
+    <ds:schemaRef ds:uri="http://schemas.microsoft.com/office/2006/metadata/properties"/>
     <ds:schemaRef ds:uri="http://purl.org/dc/elements/1.1/"/>
-    <ds:schemaRef ds:uri="http://schemas.microsoft.com/office/2006/documentManagement/types"/>
-    <ds:schemaRef ds:uri="http://schemas.microsoft.com/office/infopath/2007/PartnerControls"/>
-    <ds:schemaRef ds:uri="a226a929-813b-4430-a398-5fab01598312"/>
-    <ds:schemaRef ds:uri="http://purl.org/dc/terms/"/>
-    <ds:schemaRef ds:uri="http://schemas.microsoft.com/office/2006/metadata/properties"/>
-    <ds:schemaRef ds:uri="ec5225a2-c630-40f5-9e8d-7fb3531c4cbf"/>
-    <ds:schemaRef ds:uri="http://purl.org/dc/dcmitype/"/>
-    <ds:schemaRef ds:uri="http://www.w3.org/XML/1998/namespace"/>
-    <ds:schemaRef ds:uri="http://schemas.openxmlformats.org/package/2006/metadata/core-properties"/>
   </ds:schemaRefs>
 </ds:datastoreItem>
 </file>
--- a/docpac_mar18/Oley Birkeland/JavaScript Loops.pptx
+++ b/docpac_mar18/Oley Birkeland/JavaScript Loops.pptx
@@ -132,16 +132,39 @@
   <pc:docChgLst>
     <pc:chgData name="Birkeland, John" userId="074c16a1-eede-4221-8d47-ffda6aeed3e7" providerId="ADAL" clId="{23B58559-09C8-4D4C-B51F-239A4991B460}"/>
     <pc:docChg chg="undo redo custSel modSld">
-      <pc:chgData name="Birkeland, John" userId="074c16a1-eede-4221-8d47-ffda6aeed3e7" providerId="ADAL" clId="{23B58559-09C8-4D4C-B51F-239A4991B460}" dt="2022-03-18T04:58:57.561" v="166" actId="20577"/>
+      <pc:chgData name="Birkeland, John" userId="074c16a1-eede-4221-8d47-ffda6aeed3e7" providerId="ADAL" clId="{23B58559-09C8-4D4C-B51F-239A4991B460}" dt="2022-03-20T00:29:29.491" v="181" actId="20577"/>
       <pc:docMkLst>
         <pc:docMk/>
       </pc:docMkLst>
       <pc:sldChg chg="modSp">
-        <pc:chgData name="Birkeland, John" userId="074c16a1-eede-4221-8d47-ffda6aeed3e7" providerId="ADAL" clId="{23B58559-09C8-4D4C-B51F-239A4991B460}" dt="2022-03-18T04:58:57.561" v="166" actId="20577"/>
+        <pc:chgData name="Birkeland, John" userId="074c16a1-eede-4221-8d47-ffda6aeed3e7" providerId="ADAL" clId="{23B58559-09C8-4D4C-B51F-239A4991B460}" dt="2022-03-20T00:29:25.593" v="173" actId="20577"/>
+        <pc:sldMkLst>
+          <pc:docMk/>
+          <pc:sldMk cId="1506384194" sldId="259"/>
+        </pc:sldMkLst>
+        <pc:spChg chg="mod">
+          <ac:chgData name="Birkeland, John" userId="074c16a1-eede-4221-8d47-ffda6aeed3e7" providerId="ADAL" clId="{23B58559-09C8-4D4C-B51F-239A4991B460}" dt="2022-03-20T00:29:25.593" v="173" actId="20577"/>
+          <ac:spMkLst>
+            <pc:docMk/>
+            <pc:sldMk cId="1506384194" sldId="259"/>
+            <ac:spMk id="2" creationId="{549A6EC7-605A-4154-9E22-73341D233CFA}"/>
+          </ac:spMkLst>
+        </pc:spChg>
+      </pc:sldChg>
+      <pc:sldChg chg="modSp">
+        <pc:chgData name="Birkeland, John" userId="074c16a1-eede-4221-8d47-ffda6aeed3e7" providerId="ADAL" clId="{23B58559-09C8-4D4C-B51F-239A4991B460}" dt="2022-03-20T00:29:29.491" v="181" actId="20577"/>
         <pc:sldMkLst>
           <pc:docMk/>
           <pc:sldMk cId="1009864507" sldId="260"/>
         </pc:sldMkLst>
+        <pc:spChg chg="mod">
+          <ac:chgData name="Birkeland, John" userId="074c16a1-eede-4221-8d47-ffda6aeed3e7" providerId="ADAL" clId="{23B58559-09C8-4D4C-B51F-239A4991B460}" dt="2022-03-20T00:29:29.491" v="181" actId="20577"/>
+          <ac:spMkLst>
+            <pc:docMk/>
+            <pc:sldMk cId="1009864507" sldId="260"/>
+            <ac:spMk id="2" creationId="{549A6EC7-605A-4154-9E22-73341D233CFA}"/>
+          </ac:spMkLst>
+        </pc:spChg>
         <pc:spChg chg="mod">
           <ac:chgData name="Birkeland, John" userId="074c16a1-eede-4221-8d47-ffda6aeed3e7" providerId="ADAL" clId="{23B58559-09C8-4D4C-B51F-239A4991B460}" dt="2022-03-18T04:58:57.561" v="166" actId="20577"/>
           <ac:spMkLst>
@@ -405,13 +428,6 @@
           </ac:spMkLst>
         </pc:spChg>
       </pc:sldChg>
-      <pc:sldChg chg="add del">
-        <pc:chgData name="John Birkeland" userId="074c16a1-eede-4221-8d47-ffda6aeed3e7" providerId="ADAL" clId="{A5FAD49A-E5D7-4E29-8054-479F034186A5}" dt="2022-03-17T13:27:32.326" v="2262" actId="2696"/>
-        <pc:sldMkLst>
-          <pc:docMk/>
-          <pc:sldMk cId="1213340264" sldId="268"/>
-        </pc:sldMkLst>
-      </pc:sldChg>
       <pc:sldChg chg="modSp add">
         <pc:chgData name="John Birkeland" userId="074c16a1-eede-4221-8d47-ffda6aeed3e7" providerId="ADAL" clId="{A5FAD49A-E5D7-4E29-8054-479F034186A5}" dt="2022-03-17T13:49:23.615" v="2855" actId="20577"/>
         <pc:sldMkLst>
@@ -656,7 +672,7 @@
           <a:p>
             <a:fld id="{8C61C07D-5184-4A98-9C6F-9C6D011A6680}" type="datetimeFigureOut">
               <a:rPr lang="en-US" smtClean="0"/>
-              <a:t>3/18/2022</a:t>
+              <a:t>3/19/2022</a:t>
             </a:fld>
             <a:endParaRPr lang="en-US"/>
           </a:p>
@@ -854,7 +870,7 @@
           <a:p>
             <a:fld id="{8C61C07D-5184-4A98-9C6F-9C6D011A6680}" type="datetimeFigureOut">
               <a:rPr lang="en-US" smtClean="0"/>
-              <a:t>3/18/2022</a:t>
+              <a:t>3/19/2022</a:t>
             </a:fld>
             <a:endParaRPr lang="en-US"/>
           </a:p>
@@ -1062,7 +1078,7 @@
           <a:p>
             <a:fld id="{8C61C07D-5184-4A98-9C6F-9C6D011A6680}" type="datetimeFigureOut">
               <a:rPr lang="en-US" smtClean="0"/>
-              <a:t>3/18/2022</a:t>
+              <a:t>3/19/2022</a:t>
             </a:fld>
             <a:endParaRPr lang="en-US"/>
           </a:p>
@@ -1260,7 +1276,7 @@
           <a:p>
             <a:fld id="{8C61C07D-5184-4A98-9C6F-9C6D011A6680}" type="datetimeFigureOut">
               <a:rPr lang="en-US" smtClean="0"/>
-              <a:t>3/18/2022</a:t>
+              <a:t>3/19/2022</a:t>
             </a:fld>
             <a:endParaRPr lang="en-US"/>
           </a:p>
@@ -1535,7 +1551,7 @@
           <a:p>
             <a:fld id="{8C61C07D-5184-4A98-9C6F-9C6D011A6680}" type="datetimeFigureOut">
               <a:rPr lang="en-US" smtClean="0"/>
-              <a:t>3/18/2022</a:t>
+              <a:t>3/19/2022</a:t>
             </a:fld>
             <a:endParaRPr lang="en-US"/>
           </a:p>
@@ -1800,7 +1816,7 @@
           <a:p>
             <a:fld id="{8C61C07D-5184-4A98-9C6F-9C6D011A6680}" type="datetimeFigureOut">
               <a:rPr lang="en-US" smtClean="0"/>
-              <a:t>3/18/2022</a:t>
+              <a:t>3/19/2022</a:t>
             </a:fld>
             <a:endParaRPr lang="en-US"/>
           </a:p>
@@ -2212,7 +2228,7 @@
           <a:p>
             <a:fld id="{8C61C07D-5184-4A98-9C6F-9C6D011A6680}" type="datetimeFigureOut">
               <a:rPr lang="en-US" smtClean="0"/>
-              <a:t>3/18/2022</a:t>
+              <a:t>3/19/2022</a:t>
             </a:fld>
             <a:endParaRPr lang="en-US"/>
           </a:p>
@@ -2353,7 +2369,7 @@
           <a:p>
             <a:fld id="{8C61C07D-5184-4A98-9C6F-9C6D011A6680}" type="datetimeFigureOut">
               <a:rPr lang="en-US" smtClean="0"/>
-              <a:t>3/18/2022</a:t>
+              <a:t>3/19/2022</a:t>
             </a:fld>
             <a:endParaRPr lang="en-US"/>
           </a:p>
@@ -2466,7 +2482,7 @@
           <a:p>
             <a:fld id="{8C61C07D-5184-4A98-9C6F-9C6D011A6680}" type="datetimeFigureOut">
               <a:rPr lang="en-US" smtClean="0"/>
-              <a:t>3/18/2022</a:t>
+              <a:t>3/19/2022</a:t>
             </a:fld>
             <a:endParaRPr lang="en-US"/>
           </a:p>
@@ -2777,7 +2793,7 @@
           <a:p>
             <a:fld id="{8C61C07D-5184-4A98-9C6F-9C6D011A6680}" type="datetimeFigureOut">
               <a:rPr lang="en-US" smtClean="0"/>
-              <a:t>3/18/2022</a:t>
+              <a:t>3/19/2022</a:t>
             </a:fld>
             <a:endParaRPr lang="en-US"/>
           </a:p>
@@ -3065,7 +3081,7 @@
           <a:p>
             <a:fld id="{8C61C07D-5184-4A98-9C6F-9C6D011A6680}" type="datetimeFigureOut">
               <a:rPr lang="en-US" smtClean="0"/>
-              <a:t>3/18/2022</a:t>
+              <a:t>3/19/2022</a:t>
             </a:fld>
             <a:endParaRPr lang="en-US"/>
           </a:p>
@@ -3306,7 +3322,7 @@
           <a:p>
             <a:fld id="{8C61C07D-5184-4A98-9C6F-9C6D011A6680}" type="datetimeFigureOut">
               <a:rPr lang="en-US" smtClean="0"/>
-              <a:t>3/18/2022</a:t>
+              <a:t>3/19/2022</a:t>
             </a:fld>
             <a:endParaRPr lang="en-US"/>
           </a:p>
@@ -4911,7 +4927,7 @@
           <a:p>
             <a:r>
               <a:rPr lang="en-US" dirty="0"/>
-              <a:t>Basic for loops</a:t>
+              <a:t>Classic for loops</a:t>
             </a:r>
           </a:p>
         </p:txBody>
@@ -5018,7 +5034,7 @@
           <a:p>
             <a:r>
               <a:rPr lang="en-US" dirty="0"/>
-              <a:t>for loop example</a:t>
+              <a:t>Classic for loop example</a:t>
             </a:r>
           </a:p>
         </p:txBody>
@@ -6196,15 +6212,6 @@
 </file>
 
 <file path=customXml/item1.xml><?xml version="1.0" encoding="utf-8"?>
-<?mso-contentType ?>
-<FormTemplates xmlns="http://schemas.microsoft.com/sharepoint/v3/contenttype/forms">
-  <Display>DocumentLibraryForm</Display>
-  <Edit>DocumentLibraryForm</Edit>
-  <New>DocumentLibraryForm</New>
-</FormTemplates>
-</file>
-
-<file path=customXml/item2.xml><?xml version="1.0" encoding="utf-8"?>
 <ct:contentTypeSchema xmlns:ct="http://schemas.microsoft.com/office/2006/metadata/contentType" xmlns:ma="http://schemas.microsoft.com/office/2006/metadata/properties/metaAttributes" ct:_="" ma:_="" ma:contentTypeName="Document" ma:contentTypeID="0x010100651E00D2AC2DD14EB60A774F4411C2DE" ma:contentTypeVersion="14" ma:contentTypeDescription="Create a new document." ma:contentTypeScope="" ma:versionID="76667c60ce0b2cf0b2d51dfe12963ac9">
   <xsd:schema xmlns:xsd="http://www.w3.org/2001/XMLSchema" xmlns:xs="http://www.w3.org/2001/XMLSchema" xmlns:p="http://schemas.microsoft.com/office/2006/metadata/properties" xmlns:ns3="a226a929-813b-4430-a398-5fab01598312" xmlns:ns4="ec5225a2-c630-40f5-9e8d-7fb3531c4cbf" targetNamespace="http://schemas.microsoft.com/office/2006/metadata/properties" ma:root="true" ma:fieldsID="04596c6fdc0b8324c1ff7886bcf2917b" ns3:_="" ns4:_="">
     <xsd:import namespace="a226a929-813b-4430-a398-5fab01598312"/>
@@ -6433,6 +6440,15 @@
 </ct:contentTypeSchema>
 </file>
 
+<file path=customXml/item2.xml><?xml version="1.0" encoding="utf-8"?>
+<?mso-contentType ?>
+<FormTemplates xmlns="http://schemas.microsoft.com/sharepoint/v3/contenttype/forms">
+  <Display>DocumentLibraryForm</Display>
+  <Edit>DocumentLibraryForm</Edit>
+  <New>DocumentLibraryForm</New>
+</FormTemplates>
+</file>
+
 <file path=customXml/item3.xml><?xml version="1.0" encoding="utf-8"?>
 <p:properties xmlns:p="http://schemas.microsoft.com/office/2006/metadata/properties" xmlns:xsi="http://www.w3.org/2001/XMLSchema-instance" xmlns:pc="http://schemas.microsoft.com/office/infopath/2007/PartnerControls">
   <documentManagement/>
@@ -6440,14 +6456,6 @@
 </file>
 
 <file path=customXml/itemProps1.xml><?xml version="1.0" encoding="utf-8"?>
-<ds:datastoreItem xmlns:ds="http://schemas.openxmlformats.org/officeDocument/2006/customXml" ds:itemID="{8F2F742C-521B-48E4-B065-8F206EB99458}">
-  <ds:schemaRefs>
-    <ds:schemaRef ds:uri="http://schemas.microsoft.com/sharepoint/v3/contenttype/forms"/>
-  </ds:schemaRefs>
-</ds:datastoreItem>
-</file>
-
-<file path=customXml/itemProps2.xml><?xml version="1.0" encoding="utf-8"?>
 <ds:datastoreItem xmlns:ds="http://schemas.openxmlformats.org/officeDocument/2006/customXml" ds:itemID="{FFAE8041-C8D6-4943-AACB-8BD19A2802B6}">
   <ds:schemaRefs>
     <ds:schemaRef ds:uri="http://schemas.microsoft.com/office/2006/metadata/contentType"/>
@@ -6466,19 +6474,27 @@
 </ds:datastoreItem>
 </file>
 
+<file path=customXml/itemProps2.xml><?xml version="1.0" encoding="utf-8"?>
+<ds:datastoreItem xmlns:ds="http://schemas.openxmlformats.org/officeDocument/2006/customXml" ds:itemID="{8F2F742C-521B-48E4-B065-8F206EB99458}">
+  <ds:schemaRefs>
+    <ds:schemaRef ds:uri="http://schemas.microsoft.com/sharepoint/v3/contenttype/forms"/>
+  </ds:schemaRefs>
+</ds:datastoreItem>
+</file>
+
 <file path=customXml/itemProps3.xml><?xml version="1.0" encoding="utf-8"?>
 <ds:datastoreItem xmlns:ds="http://schemas.openxmlformats.org/officeDocument/2006/customXml" ds:itemID="{A54922C4-9CB8-46BD-BD0A-10AC6B6C08ED}">
   <ds:schemaRefs>
-    <ds:schemaRef ds:uri="http://purl.org/dc/terms/"/>
+    <ds:schemaRef ds:uri="http://purl.org/dc/elements/1.1/"/>
+    <ds:schemaRef ds:uri="http://schemas.openxmlformats.org/package/2006/metadata/core-properties"/>
+    <ds:schemaRef ds:uri="http://schemas.microsoft.com/office/2006/metadata/properties"/>
+    <ds:schemaRef ds:uri="http://schemas.microsoft.com/office/2006/documentManagement/types"/>
+    <ds:schemaRef ds:uri="ec5225a2-c630-40f5-9e8d-7fb3531c4cbf"/>
     <ds:schemaRef ds:uri="http://www.w3.org/XML/1998/namespace"/>
     <ds:schemaRef ds:uri="http://purl.org/dc/dcmitype/"/>
-    <ds:schemaRef ds:uri="http://schemas.microsoft.com/office/2006/documentManagement/types"/>
+    <ds:schemaRef ds:uri="http://schemas.microsoft.com/office/infopath/2007/PartnerControls"/>
     <ds:schemaRef ds:uri="a226a929-813b-4430-a398-5fab01598312"/>
-    <ds:schemaRef ds:uri="http://schemas.openxmlformats.org/package/2006/metadata/core-properties"/>
-    <ds:schemaRef ds:uri="http://schemas.microsoft.com/office/infopath/2007/PartnerControls"/>
-    <ds:schemaRef ds:uri="ec5225a2-c630-40f5-9e8d-7fb3531c4cbf"/>
-    <ds:schemaRef ds:uri="http://schemas.microsoft.com/office/2006/metadata/properties"/>
-    <ds:schemaRef ds:uri="http://purl.org/dc/elements/1.1/"/>
+    <ds:schemaRef ds:uri="http://purl.org/dc/terms/"/>
   </ds:schemaRefs>
 </ds:datastoreItem>
 </file>